--- a/Cenz_WongTszHo_Resume_20230423.pptx
+++ b/Cenz_WongTszHo_Resume_20230423.pptx
@@ -20302,6 +20302,42 @@
           </a:p>
         </p:txBody>
       </p:sp>
+      <p:pic>
+        <p:nvPicPr>
+          <p:cNvPr id="45" name="Picture 44" descr="Qr code&#10;&#10;Description automatically generated">
+            <a:extLst>
+              <a:ext uri="{FF2B5EF4-FFF2-40B4-BE49-F238E27FC236}">
+                <a16:creationId xmlns:a16="http://schemas.microsoft.com/office/drawing/2014/main" id="{01C2923A-F6A1-60F2-243A-61BA79E46360}"/>
+              </a:ext>
+            </a:extLst>
+          </p:cNvPr>
+          <p:cNvPicPr>
+            <a:picLocks noChangeAspect="1"/>
+          </p:cNvPicPr>
+          <p:nvPr/>
+        </p:nvPicPr>
+        <p:blipFill>
+          <a:blip r:embed="rId31">
+            <a:extLst>
+              <a:ext uri="{28A0092B-C50C-407E-A947-70E740481C1C}">
+                <a14:useLocalDpi xmlns:a14="http://schemas.microsoft.com/office/drawing/2010/main" val="0"/>
+              </a:ext>
+            </a:extLst>
+          </a:blip>
+          <a:stretch>
+            <a:fillRect/>
+          </a:stretch>
+        </p:blipFill>
+        <p:spPr>
+          <a:xfrm>
+            <a:off x="7333400" y="2007392"/>
+            <a:ext cx="6858000" cy="6858000"/>
+          </a:xfrm>
+          <a:prstGeom prst="rect">
+            <a:avLst/>
+          </a:prstGeom>
+        </p:spPr>
+      </p:pic>
     </p:spTree>
     <p:extLst>
       <p:ext uri="{BB962C8B-B14F-4D97-AF65-F5344CB8AC3E}">

--- a/Cenz_WongTszHo_Resume_20230423.pptx
+++ b/Cenz_WongTszHo_Resume_20230423.pptx
@@ -16475,7 +16475,7 @@
                 <a:ea typeface="Tahoma" panose="020B0604030504040204" pitchFamily="34" charset="0"/>
                 <a:cs typeface="Tahoma" panose="020B0604030504040204" pitchFamily="34" charset="0"/>
               </a:rPr>
-              <a:t>MSc in Big Data Technology, </a:t>
+              <a:t>MSc in Big Data Technology </a:t>
             </a:r>
           </a:p>
           <a:p>
@@ -18823,7 +18823,7 @@
                   <a:ea typeface="Tahoma" panose="020B0604030504040204" pitchFamily="34" charset="0"/>
                   <a:cs typeface="Tahoma" panose="020B0604030504040204" pitchFamily="34" charset="0"/>
                 </a:rPr>
-                <a:t>, carrying out data analysis, and establishing a production pipeline.</a:t>
+                <a:t>, carrying out data analysis, and establishing a production pipeline;</a:t>
               </a:r>
             </a:p>
             <a:p>
@@ -18910,7 +18910,7 @@
                   <a:ea typeface="Tahoma" panose="020B0604030504040204" pitchFamily="34" charset="0"/>
                   <a:cs typeface="Tahoma" panose="020B0604030504040204" pitchFamily="34" charset="0"/>
                 </a:rPr>
-                <a:t>, guaranteeing data quality, devising zoning, and employing Databricks for data intake.</a:t>
+                <a:t>, guaranteeing data quality, devising zoning, and employing Databricks for data intake;</a:t>
               </a:r>
             </a:p>
             <a:p>
@@ -18997,7 +18997,7 @@
                   <a:ea typeface="Tahoma" panose="020B0604030504040204" pitchFamily="34" charset="0"/>
                   <a:cs typeface="Tahoma" panose="020B0604030504040204" pitchFamily="34" charset="0"/>
                 </a:rPr>
-                <a:t>.</a:t>
+                <a:t>;</a:t>
               </a:r>
             </a:p>
             <a:p>
@@ -19117,7 +19117,7 @@
                   <a:ea typeface="Tahoma" panose="020B0604030504040204" pitchFamily="34" charset="0"/>
                   <a:cs typeface="Tahoma" panose="020B0604030504040204" pitchFamily="34" charset="0"/>
                 </a:rPr>
-                <a:t> technology for swifter website deployment.</a:t>
+                <a:t> technology for swifter website deployment;</a:t>
               </a:r>
             </a:p>
             <a:p>
@@ -19182,7 +19182,7 @@
                   <a:ea typeface="Tahoma" panose="020B0604030504040204" pitchFamily="34" charset="0"/>
                   <a:cs typeface="Tahoma" panose="020B0604030504040204" pitchFamily="34" charset="0"/>
                 </a:rPr>
-                <a:t>, retrieved files from SFTP, sorted them into custom folders, and automated decryption, decompression, and deletion.</a:t>
+                <a:t>, retrieved files from SFTP, sorted them into custom folders, and automated decryption, decompression, and deletion;</a:t>
               </a:r>
             </a:p>
             <a:p>
@@ -19247,7 +19247,7 @@
                   <a:ea typeface="Tahoma" panose="020B0604030504040204" pitchFamily="34" charset="0"/>
                   <a:cs typeface="Tahoma" panose="020B0604030504040204" pitchFamily="34" charset="0"/>
                 </a:rPr>
-                <a:t>, which included the creation of training materials.</a:t>
+                <a:t>, which included the creation of training materials;</a:t>
               </a:r>
             </a:p>
             <a:p>
